--- a/design_ppt/logo_design.pptx
+++ b/design_ppt/logo_design.pptx
@@ -243,7 +243,7 @@
           <a:p>
             <a:fld id="{3A20F5AC-A4C4-0743-AA60-FD0C55AF8F00}" type="datetimeFigureOut">
               <a:rPr lang="en-TH" smtClean="0"/>
-              <a:t>11/11/2020 R</a:t>
+              <a:t>18/4/2021 R</a:t>
             </a:fld>
             <a:endParaRPr lang="en-TH"/>
           </a:p>
@@ -413,7 +413,7 @@
           <a:p>
             <a:fld id="{3A20F5AC-A4C4-0743-AA60-FD0C55AF8F00}" type="datetimeFigureOut">
               <a:rPr lang="en-TH" smtClean="0"/>
-              <a:t>11/11/2020 R</a:t>
+              <a:t>18/4/2021 R</a:t>
             </a:fld>
             <a:endParaRPr lang="en-TH"/>
           </a:p>
@@ -593,7 +593,7 @@
           <a:p>
             <a:fld id="{3A20F5AC-A4C4-0743-AA60-FD0C55AF8F00}" type="datetimeFigureOut">
               <a:rPr lang="en-TH" smtClean="0"/>
-              <a:t>11/11/2020 R</a:t>
+              <a:t>18/4/2021 R</a:t>
             </a:fld>
             <a:endParaRPr lang="en-TH"/>
           </a:p>
@@ -763,7 +763,7 @@
           <a:p>
             <a:fld id="{3A20F5AC-A4C4-0743-AA60-FD0C55AF8F00}" type="datetimeFigureOut">
               <a:rPr lang="en-TH" smtClean="0"/>
-              <a:t>11/11/2020 R</a:t>
+              <a:t>18/4/2021 R</a:t>
             </a:fld>
             <a:endParaRPr lang="en-TH"/>
           </a:p>
@@ -1007,7 +1007,7 @@
           <a:p>
             <a:fld id="{3A20F5AC-A4C4-0743-AA60-FD0C55AF8F00}" type="datetimeFigureOut">
               <a:rPr lang="en-TH" smtClean="0"/>
-              <a:t>11/11/2020 R</a:t>
+              <a:t>18/4/2021 R</a:t>
             </a:fld>
             <a:endParaRPr lang="en-TH"/>
           </a:p>
@@ -1239,7 +1239,7 @@
           <a:p>
             <a:fld id="{3A20F5AC-A4C4-0743-AA60-FD0C55AF8F00}" type="datetimeFigureOut">
               <a:rPr lang="en-TH" smtClean="0"/>
-              <a:t>11/11/2020 R</a:t>
+              <a:t>18/4/2021 R</a:t>
             </a:fld>
             <a:endParaRPr lang="en-TH"/>
           </a:p>
@@ -1606,7 +1606,7 @@
           <a:p>
             <a:fld id="{3A20F5AC-A4C4-0743-AA60-FD0C55AF8F00}" type="datetimeFigureOut">
               <a:rPr lang="en-TH" smtClean="0"/>
-              <a:t>11/11/2020 R</a:t>
+              <a:t>18/4/2021 R</a:t>
             </a:fld>
             <a:endParaRPr lang="en-TH"/>
           </a:p>
@@ -1724,7 +1724,7 @@
           <a:p>
             <a:fld id="{3A20F5AC-A4C4-0743-AA60-FD0C55AF8F00}" type="datetimeFigureOut">
               <a:rPr lang="en-TH" smtClean="0"/>
-              <a:t>11/11/2020 R</a:t>
+              <a:t>18/4/2021 R</a:t>
             </a:fld>
             <a:endParaRPr lang="en-TH"/>
           </a:p>
@@ -1819,7 +1819,7 @@
           <a:p>
             <a:fld id="{3A20F5AC-A4C4-0743-AA60-FD0C55AF8F00}" type="datetimeFigureOut">
               <a:rPr lang="en-TH" smtClean="0"/>
-              <a:t>11/11/2020 R</a:t>
+              <a:t>18/4/2021 R</a:t>
             </a:fld>
             <a:endParaRPr lang="en-TH"/>
           </a:p>
@@ -2096,7 +2096,7 @@
           <a:p>
             <a:fld id="{3A20F5AC-A4C4-0743-AA60-FD0C55AF8F00}" type="datetimeFigureOut">
               <a:rPr lang="en-TH" smtClean="0"/>
-              <a:t>11/11/2020 R</a:t>
+              <a:t>18/4/2021 R</a:t>
             </a:fld>
             <a:endParaRPr lang="en-TH"/>
           </a:p>
@@ -2353,7 +2353,7 @@
           <a:p>
             <a:fld id="{3A20F5AC-A4C4-0743-AA60-FD0C55AF8F00}" type="datetimeFigureOut">
               <a:rPr lang="en-TH" smtClean="0"/>
-              <a:t>11/11/2020 R</a:t>
+              <a:t>18/4/2021 R</a:t>
             </a:fld>
             <a:endParaRPr lang="en-TH"/>
           </a:p>
@@ -2566,7 +2566,7 @@
           <a:p>
             <a:fld id="{3A20F5AC-A4C4-0743-AA60-FD0C55AF8F00}" type="datetimeFigureOut">
               <a:rPr lang="en-TH" smtClean="0"/>
-              <a:t>11/11/2020 R</a:t>
+              <a:t>18/4/2021 R</a:t>
             </a:fld>
             <a:endParaRPr lang="en-TH"/>
           </a:p>
@@ -3553,7 +3553,7 @@
                   <a:latin typeface="Quicksand" pitchFamily="2" charset="77"/>
                   <a:cs typeface="Quire Sans" panose="020B0502040400020003" pitchFamily="34" charset="0"/>
                 </a:rPr>
-                <a:t>Web Application for analyzing and classifying initial assessment of dermatitis. It's just as easy as taking a photo with your smartphone.</a:t>
+                <a:t>Web Application for analyzing and classifying initial assessment of skin diseases. It's just as easy as taking a photo with your smartphone.</a:t>
               </a:r>
               <a:endParaRPr lang="en-TH" sz="18796" dirty="0">
                 <a:solidFill>
@@ -3613,7 +3613,7 @@
             <a:p>
               <a:pPr algn="ctr"/>
               <a:r>
-                <a:rPr lang="en-TH" sz="12530" dirty="0">
+                <a:rPr lang="en-TH" sz="13800" b="1" dirty="0">
                   <a:latin typeface="Quicksand" pitchFamily="2" charset="77"/>
                 </a:rPr>
                 <a:t>Take a photo</a:t>
@@ -3667,7 +3667,7 @@
             <a:p>
               <a:pPr algn="ctr"/>
               <a:r>
-                <a:rPr lang="en-TH" sz="12530" dirty="0">
+                <a:rPr lang="en-TH" sz="15000" b="1" dirty="0">
                   <a:latin typeface="Quicksand" pitchFamily="2" charset="77"/>
                 </a:rPr>
                 <a:t>Upload</a:t>

--- a/design_ppt/logo_design.pptx
+++ b/design_ppt/logo_design.pptx
@@ -243,7 +243,7 @@
           <a:p>
             <a:fld id="{3A20F5AC-A4C4-0743-AA60-FD0C55AF8F00}" type="datetimeFigureOut">
               <a:rPr lang="en-TH" smtClean="0"/>
-              <a:t>18/4/2021 R</a:t>
+              <a:t>27/4/2021 R</a:t>
             </a:fld>
             <a:endParaRPr lang="en-TH"/>
           </a:p>
@@ -413,7 +413,7 @@
           <a:p>
             <a:fld id="{3A20F5AC-A4C4-0743-AA60-FD0C55AF8F00}" type="datetimeFigureOut">
               <a:rPr lang="en-TH" smtClean="0"/>
-              <a:t>18/4/2021 R</a:t>
+              <a:t>27/4/2021 R</a:t>
             </a:fld>
             <a:endParaRPr lang="en-TH"/>
           </a:p>
@@ -593,7 +593,7 @@
           <a:p>
             <a:fld id="{3A20F5AC-A4C4-0743-AA60-FD0C55AF8F00}" type="datetimeFigureOut">
               <a:rPr lang="en-TH" smtClean="0"/>
-              <a:t>18/4/2021 R</a:t>
+              <a:t>27/4/2021 R</a:t>
             </a:fld>
             <a:endParaRPr lang="en-TH"/>
           </a:p>
@@ -763,7 +763,7 @@
           <a:p>
             <a:fld id="{3A20F5AC-A4C4-0743-AA60-FD0C55AF8F00}" type="datetimeFigureOut">
               <a:rPr lang="en-TH" smtClean="0"/>
-              <a:t>18/4/2021 R</a:t>
+              <a:t>27/4/2021 R</a:t>
             </a:fld>
             <a:endParaRPr lang="en-TH"/>
           </a:p>
@@ -1007,7 +1007,7 @@
           <a:p>
             <a:fld id="{3A20F5AC-A4C4-0743-AA60-FD0C55AF8F00}" type="datetimeFigureOut">
               <a:rPr lang="en-TH" smtClean="0"/>
-              <a:t>18/4/2021 R</a:t>
+              <a:t>27/4/2021 R</a:t>
             </a:fld>
             <a:endParaRPr lang="en-TH"/>
           </a:p>
@@ -1239,7 +1239,7 @@
           <a:p>
             <a:fld id="{3A20F5AC-A4C4-0743-AA60-FD0C55AF8F00}" type="datetimeFigureOut">
               <a:rPr lang="en-TH" smtClean="0"/>
-              <a:t>18/4/2021 R</a:t>
+              <a:t>27/4/2021 R</a:t>
             </a:fld>
             <a:endParaRPr lang="en-TH"/>
           </a:p>
@@ -1606,7 +1606,7 @@
           <a:p>
             <a:fld id="{3A20F5AC-A4C4-0743-AA60-FD0C55AF8F00}" type="datetimeFigureOut">
               <a:rPr lang="en-TH" smtClean="0"/>
-              <a:t>18/4/2021 R</a:t>
+              <a:t>27/4/2021 R</a:t>
             </a:fld>
             <a:endParaRPr lang="en-TH"/>
           </a:p>
@@ -1724,7 +1724,7 @@
           <a:p>
             <a:fld id="{3A20F5AC-A4C4-0743-AA60-FD0C55AF8F00}" type="datetimeFigureOut">
               <a:rPr lang="en-TH" smtClean="0"/>
-              <a:t>18/4/2021 R</a:t>
+              <a:t>27/4/2021 R</a:t>
             </a:fld>
             <a:endParaRPr lang="en-TH"/>
           </a:p>
@@ -1819,7 +1819,7 @@
           <a:p>
             <a:fld id="{3A20F5AC-A4C4-0743-AA60-FD0C55AF8F00}" type="datetimeFigureOut">
               <a:rPr lang="en-TH" smtClean="0"/>
-              <a:t>18/4/2021 R</a:t>
+              <a:t>27/4/2021 R</a:t>
             </a:fld>
             <a:endParaRPr lang="en-TH"/>
           </a:p>
@@ -2096,7 +2096,7 @@
           <a:p>
             <a:fld id="{3A20F5AC-A4C4-0743-AA60-FD0C55AF8F00}" type="datetimeFigureOut">
               <a:rPr lang="en-TH" smtClean="0"/>
-              <a:t>18/4/2021 R</a:t>
+              <a:t>27/4/2021 R</a:t>
             </a:fld>
             <a:endParaRPr lang="en-TH"/>
           </a:p>
@@ -2353,7 +2353,7 @@
           <a:p>
             <a:fld id="{3A20F5AC-A4C4-0743-AA60-FD0C55AF8F00}" type="datetimeFigureOut">
               <a:rPr lang="en-TH" smtClean="0"/>
-              <a:t>18/4/2021 R</a:t>
+              <a:t>27/4/2021 R</a:t>
             </a:fld>
             <a:endParaRPr lang="en-TH"/>
           </a:p>
@@ -2566,7 +2566,7 @@
           <a:p>
             <a:fld id="{3A20F5AC-A4C4-0743-AA60-FD0C55AF8F00}" type="datetimeFigureOut">
               <a:rPr lang="en-TH" smtClean="0"/>
-              <a:t>18/4/2021 R</a:t>
+              <a:t>27/4/2021 R</a:t>
             </a:fld>
             <a:endParaRPr lang="en-TH"/>
           </a:p>
@@ -2985,7 +2985,7 @@
         </p:nvGrpSpPr>
         <p:grpSpPr>
           <a:xfrm>
-            <a:off x="-4652975" y="0"/>
+            <a:off x="-4652975" y="2057400"/>
             <a:ext cx="45666049" cy="72033690"/>
             <a:chOff x="0" y="836908"/>
             <a:chExt cx="6858000" cy="10817818"/>
@@ -3072,421 +3072,6 @@
             </a:p>
           </p:txBody>
         </p:sp>
-        <p:grpSp>
-          <p:nvGrpSpPr>
-            <p:cNvPr id="25" name="Group 24">
-              <a:extLst>
-                <a:ext uri="{FF2B5EF4-FFF2-40B4-BE49-F238E27FC236}">
-                  <a16:creationId xmlns:a16="http://schemas.microsoft.com/office/drawing/2014/main" id="{8E37264F-122E-7C4D-AF19-ECA6A3FBCE48}"/>
-                </a:ext>
-              </a:extLst>
-            </p:cNvPr>
-            <p:cNvGrpSpPr/>
-            <p:nvPr/>
-          </p:nvGrpSpPr>
-          <p:grpSpPr>
-            <a:xfrm>
-              <a:off x="1421510" y="4666458"/>
-              <a:ext cx="4014979" cy="4247250"/>
-              <a:chOff x="1286291" y="3741340"/>
-              <a:chExt cx="4271616" cy="4518734"/>
-            </a:xfrm>
-          </p:grpSpPr>
-          <p:pic>
-            <p:nvPicPr>
-              <p:cNvPr id="12" name="Picture 11" descr="A close up of a dinosaur&#10;&#10;Description automatically generated">
-                <a:extLst>
-                  <a:ext uri="{FF2B5EF4-FFF2-40B4-BE49-F238E27FC236}">
-                    <a16:creationId xmlns:a16="http://schemas.microsoft.com/office/drawing/2014/main" id="{0359ECA7-0BFA-1E4F-AAAB-4D41A52B6022}"/>
-                  </a:ext>
-                </a:extLst>
-              </p:cNvPr>
-              <p:cNvPicPr>
-                <a:picLocks noChangeAspect="1"/>
-              </p:cNvPicPr>
-              <p:nvPr/>
-            </p:nvPicPr>
-            <p:blipFill>
-              <a:blip r:embed="rId3"/>
-              <a:stretch>
-                <a:fillRect/>
-              </a:stretch>
-            </p:blipFill>
-            <p:spPr>
-              <a:xfrm>
-                <a:off x="1286291" y="3741340"/>
-                <a:ext cx="4271616" cy="4518734"/>
-              </a:xfrm>
-              <a:prstGeom prst="rect">
-                <a:avLst/>
-              </a:prstGeom>
-            </p:spPr>
-          </p:pic>
-          <p:grpSp>
-            <p:nvGrpSpPr>
-              <p:cNvPr id="24" name="Group 23">
-                <a:extLst>
-                  <a:ext uri="{FF2B5EF4-FFF2-40B4-BE49-F238E27FC236}">
-                    <a16:creationId xmlns:a16="http://schemas.microsoft.com/office/drawing/2014/main" id="{124FA8D3-3C9E-4E4A-9907-3A096167CFEB}"/>
-                  </a:ext>
-                </a:extLst>
-              </p:cNvPr>
-              <p:cNvGrpSpPr/>
-              <p:nvPr/>
-            </p:nvGrpSpPr>
-            <p:grpSpPr>
-              <a:xfrm>
-                <a:off x="2757280" y="5201812"/>
-                <a:ext cx="1912406" cy="2456577"/>
-                <a:chOff x="2757280" y="5201812"/>
-                <a:chExt cx="1912406" cy="2456577"/>
-              </a:xfrm>
-            </p:grpSpPr>
-            <p:sp>
-              <p:nvSpPr>
-                <p:cNvPr id="14" name="Oval 13">
-                  <a:extLst>
-                    <a:ext uri="{FF2B5EF4-FFF2-40B4-BE49-F238E27FC236}">
-                      <a16:creationId xmlns:a16="http://schemas.microsoft.com/office/drawing/2014/main" id="{3D1AED40-4B55-5642-AE6B-BCB45DBCD1DE}"/>
-                    </a:ext>
-                  </a:extLst>
-                </p:cNvPr>
-                <p:cNvSpPr/>
-                <p:nvPr/>
-              </p:nvSpPr>
-              <p:spPr>
-                <a:xfrm>
-                  <a:off x="2757280" y="6553643"/>
-                  <a:ext cx="461576" cy="461576"/>
-                </a:xfrm>
-                <a:prstGeom prst="ellipse">
-                  <a:avLst/>
-                </a:prstGeom>
-                <a:solidFill>
-                  <a:srgbClr val="FF0054"/>
-                </a:solidFill>
-              </p:spPr>
-              <p:style>
-                <a:lnRef idx="2">
-                  <a:schemeClr val="accent1">
-                    <a:shade val="50000"/>
-                  </a:schemeClr>
-                </a:lnRef>
-                <a:fillRef idx="1">
-                  <a:schemeClr val="accent1"/>
-                </a:fillRef>
-                <a:effectRef idx="0">
-                  <a:schemeClr val="accent1"/>
-                </a:effectRef>
-                <a:fontRef idx="minor">
-                  <a:schemeClr val="lt1"/>
-                </a:fontRef>
-              </p:style>
-              <p:txBody>
-                <a:bodyPr rtlCol="0" anchor="ctr"/>
-                <a:lstStyle/>
-                <a:p>
-                  <a:pPr algn="ctr"/>
-                  <a:endParaRPr lang="en-TH" sz="3527"/>
-                </a:p>
-              </p:txBody>
-            </p:sp>
-            <p:sp>
-              <p:nvSpPr>
-                <p:cNvPr id="16" name="Oval 15">
-                  <a:extLst>
-                    <a:ext uri="{FF2B5EF4-FFF2-40B4-BE49-F238E27FC236}">
-                      <a16:creationId xmlns:a16="http://schemas.microsoft.com/office/drawing/2014/main" id="{B803963C-91A6-2D49-B842-6AAE0D0E8302}"/>
-                    </a:ext>
-                  </a:extLst>
-                </p:cNvPr>
-                <p:cNvSpPr/>
-                <p:nvPr/>
-              </p:nvSpPr>
-              <p:spPr>
-                <a:xfrm>
-                  <a:off x="4301388" y="7003774"/>
-                  <a:ext cx="360089" cy="360089"/>
-                </a:xfrm>
-                <a:prstGeom prst="ellipse">
-                  <a:avLst/>
-                </a:prstGeom>
-                <a:solidFill>
-                  <a:srgbClr val="FF0054"/>
-                </a:solidFill>
-              </p:spPr>
-              <p:style>
-                <a:lnRef idx="2">
-                  <a:schemeClr val="accent1">
-                    <a:shade val="50000"/>
-                  </a:schemeClr>
-                </a:lnRef>
-                <a:fillRef idx="1">
-                  <a:schemeClr val="accent1"/>
-                </a:fillRef>
-                <a:effectRef idx="0">
-                  <a:schemeClr val="accent1"/>
-                </a:effectRef>
-                <a:fontRef idx="minor">
-                  <a:schemeClr val="lt1"/>
-                </a:fontRef>
-              </p:style>
-              <p:txBody>
-                <a:bodyPr rtlCol="0" anchor="ctr"/>
-                <a:lstStyle/>
-                <a:p>
-                  <a:pPr algn="ctr"/>
-                  <a:endParaRPr lang="en-TH" sz="3527"/>
-                </a:p>
-              </p:txBody>
-            </p:sp>
-            <p:sp>
-              <p:nvSpPr>
-                <p:cNvPr id="17" name="Oval 16">
-                  <a:extLst>
-                    <a:ext uri="{FF2B5EF4-FFF2-40B4-BE49-F238E27FC236}">
-                      <a16:creationId xmlns:a16="http://schemas.microsoft.com/office/drawing/2014/main" id="{274630B6-825B-F14A-A4E4-885F5CA91F2F}"/>
-                    </a:ext>
-                  </a:extLst>
-                </p:cNvPr>
-                <p:cNvSpPr/>
-                <p:nvPr/>
-              </p:nvSpPr>
-              <p:spPr>
-                <a:xfrm>
-                  <a:off x="4171037" y="5201812"/>
-                  <a:ext cx="260703" cy="260703"/>
-                </a:xfrm>
-                <a:prstGeom prst="ellipse">
-                  <a:avLst/>
-                </a:prstGeom>
-                <a:solidFill>
-                  <a:srgbClr val="FF0054"/>
-                </a:solidFill>
-              </p:spPr>
-              <p:style>
-                <a:lnRef idx="2">
-                  <a:schemeClr val="accent1">
-                    <a:shade val="50000"/>
-                  </a:schemeClr>
-                </a:lnRef>
-                <a:fillRef idx="1">
-                  <a:schemeClr val="accent1"/>
-                </a:fillRef>
-                <a:effectRef idx="0">
-                  <a:schemeClr val="accent1"/>
-                </a:effectRef>
-                <a:fontRef idx="minor">
-                  <a:schemeClr val="lt1"/>
-                </a:fontRef>
-              </p:style>
-              <p:txBody>
-                <a:bodyPr rtlCol="0" anchor="ctr"/>
-                <a:lstStyle/>
-                <a:p>
-                  <a:pPr algn="ctr"/>
-                  <a:endParaRPr lang="en-TH" sz="3527"/>
-                </a:p>
-              </p:txBody>
-            </p:sp>
-            <p:sp>
-              <p:nvSpPr>
-                <p:cNvPr id="18" name="Oval 17">
-                  <a:extLst>
-                    <a:ext uri="{FF2B5EF4-FFF2-40B4-BE49-F238E27FC236}">
-                      <a16:creationId xmlns:a16="http://schemas.microsoft.com/office/drawing/2014/main" id="{EE0DC30E-9023-4C4A-9B87-7B53670833C6}"/>
-                    </a:ext>
-                  </a:extLst>
-                </p:cNvPr>
-                <p:cNvSpPr/>
-                <p:nvPr/>
-              </p:nvSpPr>
-              <p:spPr>
-                <a:xfrm>
-                  <a:off x="3373003" y="5794462"/>
-                  <a:ext cx="412490" cy="412490"/>
-                </a:xfrm>
-                <a:prstGeom prst="ellipse">
-                  <a:avLst/>
-                </a:prstGeom>
-                <a:solidFill>
-                  <a:srgbClr val="FF0054"/>
-                </a:solidFill>
-              </p:spPr>
-              <p:style>
-                <a:lnRef idx="2">
-                  <a:schemeClr val="accent1">
-                    <a:shade val="50000"/>
-                  </a:schemeClr>
-                </a:lnRef>
-                <a:fillRef idx="1">
-                  <a:schemeClr val="accent1"/>
-                </a:fillRef>
-                <a:effectRef idx="0">
-                  <a:schemeClr val="accent1"/>
-                </a:effectRef>
-                <a:fontRef idx="minor">
-                  <a:schemeClr val="lt1"/>
-                </a:fontRef>
-              </p:style>
-              <p:txBody>
-                <a:bodyPr rtlCol="0" anchor="ctr"/>
-                <a:lstStyle/>
-                <a:p>
-                  <a:pPr algn="ctr"/>
-                  <a:endParaRPr lang="en-TH" sz="3527"/>
-                </a:p>
-              </p:txBody>
-            </p:sp>
-            <p:sp>
-              <p:nvSpPr>
-                <p:cNvPr id="19" name="Oval 18">
-                  <a:extLst>
-                    <a:ext uri="{FF2B5EF4-FFF2-40B4-BE49-F238E27FC236}">
-                      <a16:creationId xmlns:a16="http://schemas.microsoft.com/office/drawing/2014/main" id="{FDACF95B-A914-CF4C-AC62-86563BCBBB2E}"/>
-                    </a:ext>
-                  </a:extLst>
-                </p:cNvPr>
-                <p:cNvSpPr/>
-                <p:nvPr/>
-              </p:nvSpPr>
-              <p:spPr>
-                <a:xfrm>
-                  <a:off x="3373003" y="7482257"/>
-                  <a:ext cx="176132" cy="176132"/>
-                </a:xfrm>
-                <a:prstGeom prst="ellipse">
-                  <a:avLst/>
-                </a:prstGeom>
-                <a:solidFill>
-                  <a:srgbClr val="FF0054"/>
-                </a:solidFill>
-              </p:spPr>
-              <p:style>
-                <a:lnRef idx="2">
-                  <a:schemeClr val="accent1">
-                    <a:shade val="50000"/>
-                  </a:schemeClr>
-                </a:lnRef>
-                <a:fillRef idx="1">
-                  <a:schemeClr val="accent1"/>
-                </a:fillRef>
-                <a:effectRef idx="0">
-                  <a:schemeClr val="accent1"/>
-                </a:effectRef>
-                <a:fontRef idx="minor">
-                  <a:schemeClr val="lt1"/>
-                </a:fontRef>
-              </p:style>
-              <p:txBody>
-                <a:bodyPr rtlCol="0" anchor="ctr"/>
-                <a:lstStyle/>
-                <a:p>
-                  <a:pPr algn="ctr"/>
-                  <a:endParaRPr lang="en-TH" sz="3527"/>
-                </a:p>
-              </p:txBody>
-            </p:sp>
-            <p:sp>
-              <p:nvSpPr>
-                <p:cNvPr id="20" name="Oval 19">
-                  <a:extLst>
-                    <a:ext uri="{FF2B5EF4-FFF2-40B4-BE49-F238E27FC236}">
-                      <a16:creationId xmlns:a16="http://schemas.microsoft.com/office/drawing/2014/main" id="{4B23C852-EDC6-A343-8E34-5FD0573BF648}"/>
-                    </a:ext>
-                  </a:extLst>
-                </p:cNvPr>
-                <p:cNvSpPr/>
-                <p:nvPr/>
-              </p:nvSpPr>
-              <p:spPr>
-                <a:xfrm>
-                  <a:off x="4408982" y="6206952"/>
-                  <a:ext cx="260704" cy="260704"/>
-                </a:xfrm>
-                <a:prstGeom prst="ellipse">
-                  <a:avLst/>
-                </a:prstGeom>
-                <a:solidFill>
-                  <a:srgbClr val="FF0054"/>
-                </a:solidFill>
-              </p:spPr>
-              <p:style>
-                <a:lnRef idx="2">
-                  <a:schemeClr val="accent1">
-                    <a:shade val="50000"/>
-                  </a:schemeClr>
-                </a:lnRef>
-                <a:fillRef idx="1">
-                  <a:schemeClr val="accent1"/>
-                </a:fillRef>
-                <a:effectRef idx="0">
-                  <a:schemeClr val="accent1"/>
-                </a:effectRef>
-                <a:fontRef idx="minor">
-                  <a:schemeClr val="lt1"/>
-                </a:fontRef>
-              </p:style>
-              <p:txBody>
-                <a:bodyPr rtlCol="0" anchor="ctr"/>
-                <a:lstStyle/>
-                <a:p>
-                  <a:pPr algn="ctr"/>
-                  <a:endParaRPr lang="en-TH" sz="3527"/>
-                </a:p>
-              </p:txBody>
-            </p:sp>
-            <p:sp>
-              <p:nvSpPr>
-                <p:cNvPr id="21" name="Oval 20">
-                  <a:extLst>
-                    <a:ext uri="{FF2B5EF4-FFF2-40B4-BE49-F238E27FC236}">
-                      <a16:creationId xmlns:a16="http://schemas.microsoft.com/office/drawing/2014/main" id="{84A99F2E-E291-D145-A079-4E492EDEE553}"/>
-                    </a:ext>
-                  </a:extLst>
-                </p:cNvPr>
-                <p:cNvSpPr/>
-                <p:nvPr/>
-              </p:nvSpPr>
-              <p:spPr>
-                <a:xfrm>
-                  <a:off x="3813511" y="6721137"/>
-                  <a:ext cx="260704" cy="260704"/>
-                </a:xfrm>
-                <a:prstGeom prst="ellipse">
-                  <a:avLst/>
-                </a:prstGeom>
-                <a:solidFill>
-                  <a:srgbClr val="FF0054"/>
-                </a:solidFill>
-              </p:spPr>
-              <p:style>
-                <a:lnRef idx="2">
-                  <a:schemeClr val="accent1">
-                    <a:shade val="50000"/>
-                  </a:schemeClr>
-                </a:lnRef>
-                <a:fillRef idx="1">
-                  <a:schemeClr val="accent1"/>
-                </a:fillRef>
-                <a:effectRef idx="0">
-                  <a:schemeClr val="accent1"/>
-                </a:effectRef>
-                <a:fontRef idx="minor">
-                  <a:schemeClr val="lt1"/>
-                </a:fontRef>
-              </p:style>
-              <p:txBody>
-                <a:bodyPr rtlCol="0" anchor="ctr"/>
-                <a:lstStyle/>
-                <a:p>
-                  <a:pPr algn="ctr"/>
-                  <a:endParaRPr lang="en-TH" sz="3527"/>
-                </a:p>
-              </p:txBody>
-            </p:sp>
-          </p:grpSp>
-        </p:grpSp>
         <p:sp>
           <p:nvSpPr>
             <p:cNvPr id="27" name="TextBox 26">
@@ -3676,6 +3261,36 @@
           </p:txBody>
         </p:sp>
       </p:grpSp>
+      <p:pic>
+        <p:nvPicPr>
+          <p:cNvPr id="6" name="Picture 5" descr="A picture containing text, handwear&#10;&#10;Description automatically generated">
+            <a:extLst>
+              <a:ext uri="{FF2B5EF4-FFF2-40B4-BE49-F238E27FC236}">
+                <a16:creationId xmlns:a16="http://schemas.microsoft.com/office/drawing/2014/main" id="{B7DF144F-74F5-D64C-92AF-1847B8896790}"/>
+              </a:ext>
+            </a:extLst>
+          </p:cNvPr>
+          <p:cNvPicPr>
+            <a:picLocks noChangeAspect="1"/>
+          </p:cNvPicPr>
+          <p:nvPr/>
+        </p:nvPicPr>
+        <p:blipFill>
+          <a:blip r:embed="rId3"/>
+          <a:stretch>
+            <a:fillRect/>
+          </a:stretch>
+        </p:blipFill>
+        <p:spPr>
+          <a:xfrm>
+            <a:off x="6147587" y="27613286"/>
+            <a:ext cx="24064924" cy="27786304"/>
+          </a:xfrm>
+          <a:prstGeom prst="rect">
+            <a:avLst/>
+          </a:prstGeom>
+        </p:spPr>
+      </p:pic>
     </p:spTree>
     <p:extLst>
       <p:ext uri="{BB962C8B-B14F-4D97-AF65-F5344CB8AC3E}">
